--- a/Pizzahut Business objective.pptx
+++ b/Pizzahut Business objective.pptx
@@ -849,7 +849,7 @@
           <a:p>
             <a:fld id="{4B768230-9095-4ACC-8ADF-C1ED5C9A5285}" type="datetimeFigureOut">
               <a:rPr lang="en-US" smtClean="0"/>
-              <a:t>5/3/2024</a:t>
+              <a:t>5/4/2024</a:t>
             </a:fld>
             <a:endParaRPr lang="en-US"/>
           </a:p>
@@ -1100,7 +1100,7 @@
           <a:p>
             <a:fld id="{4B768230-9095-4ACC-8ADF-C1ED5C9A5285}" type="datetimeFigureOut">
               <a:rPr lang="en-US" smtClean="0"/>
-              <a:t>5/3/2024</a:t>
+              <a:t>5/4/2024</a:t>
             </a:fld>
             <a:endParaRPr lang="en-US"/>
           </a:p>
@@ -1414,7 +1414,7 @@
           <a:p>
             <a:fld id="{4B768230-9095-4ACC-8ADF-C1ED5C9A5285}" type="datetimeFigureOut">
               <a:rPr lang="en-US" smtClean="0"/>
-              <a:t>5/3/2024</a:t>
+              <a:t>5/4/2024</a:t>
             </a:fld>
             <a:endParaRPr lang="en-US"/>
           </a:p>
@@ -1755,7 +1755,7 @@
           <a:p>
             <a:fld id="{4B768230-9095-4ACC-8ADF-C1ED5C9A5285}" type="datetimeFigureOut">
               <a:rPr lang="en-US" smtClean="0"/>
-              <a:t>5/3/2024</a:t>
+              <a:t>5/4/2024</a:t>
             </a:fld>
             <a:endParaRPr lang="en-US"/>
           </a:p>
@@ -2069,7 +2069,7 @@
           <a:p>
             <a:fld id="{4B768230-9095-4ACC-8ADF-C1ED5C9A5285}" type="datetimeFigureOut">
               <a:rPr lang="en-US" smtClean="0"/>
-              <a:t>5/3/2024</a:t>
+              <a:t>5/4/2024</a:t>
             </a:fld>
             <a:endParaRPr lang="en-US"/>
           </a:p>
@@ -2462,7 +2462,7 @@
           <a:p>
             <a:fld id="{4B768230-9095-4ACC-8ADF-C1ED5C9A5285}" type="datetimeFigureOut">
               <a:rPr lang="en-US" smtClean="0"/>
-              <a:t>5/3/2024</a:t>
+              <a:t>5/4/2024</a:t>
             </a:fld>
             <a:endParaRPr lang="en-US"/>
           </a:p>
@@ -2632,7 +2632,7 @@
           <a:p>
             <a:fld id="{4B768230-9095-4ACC-8ADF-C1ED5C9A5285}" type="datetimeFigureOut">
               <a:rPr lang="en-US" smtClean="0"/>
-              <a:t>5/3/2024</a:t>
+              <a:t>5/4/2024</a:t>
             </a:fld>
             <a:endParaRPr lang="en-US"/>
           </a:p>
@@ -2812,7 +2812,7 @@
           <a:p>
             <a:fld id="{4B768230-9095-4ACC-8ADF-C1ED5C9A5285}" type="datetimeFigureOut">
               <a:rPr lang="en-US" smtClean="0"/>
-              <a:t>5/3/2024</a:t>
+              <a:t>5/4/2024</a:t>
             </a:fld>
             <a:endParaRPr lang="en-US"/>
           </a:p>
@@ -2988,7 +2988,7 @@
           <a:p>
             <a:fld id="{4B768230-9095-4ACC-8ADF-C1ED5C9A5285}" type="datetimeFigureOut">
               <a:rPr lang="en-US" smtClean="0"/>
-              <a:t>5/3/2024</a:t>
+              <a:t>5/4/2024</a:t>
             </a:fld>
             <a:endParaRPr lang="en-US"/>
           </a:p>
@@ -3235,7 +3235,7 @@
           <a:p>
             <a:fld id="{4B768230-9095-4ACC-8ADF-C1ED5C9A5285}" type="datetimeFigureOut">
               <a:rPr lang="en-US" smtClean="0"/>
-              <a:t>5/3/2024</a:t>
+              <a:t>5/4/2024</a:t>
             </a:fld>
             <a:endParaRPr lang="en-US"/>
           </a:p>
@@ -3467,7 +3467,7 @@
           <a:p>
             <a:fld id="{4B768230-9095-4ACC-8ADF-C1ED5C9A5285}" type="datetimeFigureOut">
               <a:rPr lang="en-US" smtClean="0"/>
-              <a:t>5/3/2024</a:t>
+              <a:t>5/4/2024</a:t>
             </a:fld>
             <a:endParaRPr lang="en-US"/>
           </a:p>
@@ -3841,7 +3841,7 @@
           <a:p>
             <a:fld id="{4B768230-9095-4ACC-8ADF-C1ED5C9A5285}" type="datetimeFigureOut">
               <a:rPr lang="en-US" smtClean="0"/>
-              <a:t>5/3/2024</a:t>
+              <a:t>5/4/2024</a:t>
             </a:fld>
             <a:endParaRPr lang="en-US"/>
           </a:p>
@@ -3964,7 +3964,7 @@
           <a:p>
             <a:fld id="{4B768230-9095-4ACC-8ADF-C1ED5C9A5285}" type="datetimeFigureOut">
               <a:rPr lang="en-US" smtClean="0"/>
-              <a:t>5/3/2024</a:t>
+              <a:t>5/4/2024</a:t>
             </a:fld>
             <a:endParaRPr lang="en-US"/>
           </a:p>
@@ -4059,7 +4059,7 @@
           <a:p>
             <a:fld id="{4B768230-9095-4ACC-8ADF-C1ED5C9A5285}" type="datetimeFigureOut">
               <a:rPr lang="en-US" smtClean="0"/>
-              <a:t>5/3/2024</a:t>
+              <a:t>5/4/2024</a:t>
             </a:fld>
             <a:endParaRPr lang="en-US"/>
           </a:p>
@@ -4314,7 +4314,7 @@
           <a:p>
             <a:fld id="{4B768230-9095-4ACC-8ADF-C1ED5C9A5285}" type="datetimeFigureOut">
               <a:rPr lang="en-US" smtClean="0"/>
-              <a:t>5/3/2024</a:t>
+              <a:t>5/4/2024</a:t>
             </a:fld>
             <a:endParaRPr lang="en-US"/>
           </a:p>
@@ -4577,7 +4577,7 @@
           <a:p>
             <a:fld id="{4B768230-9095-4ACC-8ADF-C1ED5C9A5285}" type="datetimeFigureOut">
               <a:rPr lang="en-US" smtClean="0"/>
-              <a:t>5/3/2024</a:t>
+              <a:t>5/4/2024</a:t>
             </a:fld>
             <a:endParaRPr lang="en-US"/>
           </a:p>
@@ -5330,7 +5330,7 @@
           <a:p>
             <a:fld id="{4B768230-9095-4ACC-8ADF-C1ED5C9A5285}" type="datetimeFigureOut">
               <a:rPr lang="en-US" smtClean="0"/>
-              <a:t>5/3/2024</a:t>
+              <a:t>5/4/2024</a:t>
             </a:fld>
             <a:endParaRPr lang="en-US"/>
           </a:p>
